--- a/PPTX 演示文稿.pptx
+++ b/PPTX 演示文稿.pptx
@@ -6,6 +6,7 @@
   </p:sldMasterIdLst>
   <p:sldIdLst>
     <p:sldId id="256" r:id="rId3"/>
+    <p:sldId id="257" r:id="rId4"/>
   </p:sldIdLst>
   <p:sldSz cx="12192000" cy="6858000"/>
   <p:notesSz cx="6858000" cy="9144000"/>
@@ -2976,7 +2977,7 @@
         </p:nvSpPr>
         <p:spPr>
           <a:xfrm>
-            <a:off x="2272665" y="4161790"/>
+            <a:off x="2272665" y="4347210"/>
             <a:ext cx="1041400" cy="536575"/>
           </a:xfrm>
           <a:prstGeom prst="ellipse">
@@ -3002,7 +3003,7 @@
           <a:p>
             <a:pPr algn="ctr"/>
             <a:r>
-              <a:rPr lang="" altLang="en-US" sz="1000">
+              <a:rPr lang="en-US" altLang="en-US" sz="1000">
                 <a:solidFill>
                   <a:schemeClr val="tx1"/>
                 </a:solidFill>
@@ -3010,7 +3011,7 @@
               </a:rPr>
               <a:t>登录系统</a:t>
             </a:r>
-            <a:endParaRPr lang="" altLang="en-US" sz="1000">
+            <a:endParaRPr lang="en-US" altLang="en-US" sz="1000">
               <a:solidFill>
                 <a:schemeClr val="tx1"/>
               </a:solidFill>
@@ -3027,7 +3028,7 @@
         </p:nvSpPr>
         <p:spPr>
           <a:xfrm>
-            <a:off x="3134360" y="2973705"/>
+            <a:off x="3103245" y="2803525"/>
             <a:ext cx="1041400" cy="536575"/>
           </a:xfrm>
           <a:prstGeom prst="ellipse">
@@ -3059,7 +3060,7 @@
                 </a:solidFill>
                 <a:uFillTx/>
               </a:rPr>
-              <a:t>注册课程</a:t>
+              <a:t>查询课程信息</a:t>
             </a:r>
             <a:endParaRPr lang="" altLang="en-US" sz="1000">
               <a:solidFill>
@@ -3104,7 +3105,7 @@
           <a:p>
             <a:pPr algn="ctr"/>
             <a:r>
-              <a:rPr lang="" altLang="en-US" sz="1000">
+              <a:rPr lang="en-US" altLang="en-US" sz="1000">
                 <a:solidFill>
                   <a:schemeClr val="tx1"/>
                 </a:solidFill>
@@ -3112,7 +3113,7 @@
               </a:rPr>
               <a:t>管理维护</a:t>
             </a:r>
-            <a:endParaRPr lang="" altLang="en-US" sz="1000">
+            <a:endParaRPr lang="en-US" altLang="en-US" sz="1000">
               <a:solidFill>
                 <a:schemeClr val="tx1"/>
               </a:solidFill>
@@ -3155,7 +3156,7 @@
           <a:p>
             <a:pPr algn="ctr"/>
             <a:r>
-              <a:rPr lang="" altLang="en-US" sz="1000">
+              <a:rPr lang="en-US" altLang="en-US" sz="1000">
                 <a:solidFill>
                   <a:schemeClr val="tx1"/>
                 </a:solidFill>
@@ -3163,7 +3164,7 @@
               </a:rPr>
               <a:t>修改账户信息</a:t>
             </a:r>
-            <a:endParaRPr lang="" altLang="en-US" sz="1000">
+            <a:endParaRPr lang="en-US" altLang="en-US" sz="1000">
               <a:solidFill>
                 <a:schemeClr val="tx1"/>
               </a:solidFill>
@@ -3206,7 +3207,7 @@
           <a:p>
             <a:pPr algn="ctr"/>
             <a:r>
-              <a:rPr lang="" altLang="en-US" sz="1000">
+              <a:rPr lang="en-US" altLang="en-US" sz="1000">
                 <a:solidFill>
                   <a:schemeClr val="tx1"/>
                 </a:solidFill>
@@ -3214,7 +3215,7 @@
               </a:rPr>
               <a:t>创建账户</a:t>
             </a:r>
-            <a:endParaRPr lang="" altLang="en-US" sz="1000">
+            <a:endParaRPr lang="en-US" altLang="en-US" sz="1000">
               <a:solidFill>
                 <a:schemeClr val="tx1"/>
               </a:solidFill>
@@ -3257,7 +3258,7 @@
           <a:p>
             <a:pPr algn="ctr"/>
             <a:r>
-              <a:rPr lang="" altLang="en-US" sz="1000">
+              <a:rPr lang="en-US" altLang="en-US" sz="1000">
                 <a:solidFill>
                   <a:schemeClr val="tx1"/>
                 </a:solidFill>
@@ -3265,7 +3266,7 @@
               </a:rPr>
               <a:t>账户管理</a:t>
             </a:r>
-            <a:endParaRPr lang="" altLang="en-US" sz="1000">
+            <a:endParaRPr lang="en-US" altLang="en-US" sz="1000">
               <a:solidFill>
                 <a:schemeClr val="tx1"/>
               </a:solidFill>
@@ -3308,7 +3309,7 @@
           <a:p>
             <a:pPr algn="ctr"/>
             <a:r>
-              <a:rPr lang="" altLang="en-US" sz="1000">
+              <a:rPr lang="en-US" altLang="en-US" sz="1000">
                 <a:solidFill>
                   <a:schemeClr val="tx1"/>
                 </a:solidFill>
@@ -3316,7 +3317,7 @@
               </a:rPr>
               <a:t>补发听课证</a:t>
             </a:r>
-            <a:endParaRPr lang="" altLang="en-US" sz="1000">
+            <a:endParaRPr lang="en-US" altLang="en-US" sz="1000">
               <a:solidFill>
                 <a:schemeClr val="tx1"/>
               </a:solidFill>
@@ -3333,7 +3334,7 @@
         </p:nvSpPr>
         <p:spPr>
           <a:xfrm>
-            <a:off x="3239770" y="3692525"/>
+            <a:off x="5064760" y="3561080"/>
             <a:ext cx="1041400" cy="536575"/>
           </a:xfrm>
           <a:prstGeom prst="ellipse">
@@ -3359,7 +3360,7 @@
           <a:p>
             <a:pPr algn="ctr"/>
             <a:r>
-              <a:rPr lang="" altLang="en-US" sz="1000">
+              <a:rPr lang="en-US" altLang="en-US" sz="1000">
                 <a:solidFill>
                   <a:schemeClr val="tx1"/>
                 </a:solidFill>
@@ -3367,7 +3368,7 @@
               </a:rPr>
               <a:t>查询选课学生信息</a:t>
             </a:r>
-            <a:endParaRPr lang="" altLang="en-US" sz="1000">
+            <a:endParaRPr lang="en-US" altLang="en-US" sz="1000">
               <a:solidFill>
                 <a:schemeClr val="tx1"/>
               </a:solidFill>
@@ -3384,7 +3385,7 @@
         </p:nvSpPr>
         <p:spPr>
           <a:xfrm>
-            <a:off x="5354320" y="3625215"/>
+            <a:off x="5575300" y="4236720"/>
             <a:ext cx="1041400" cy="536575"/>
           </a:xfrm>
           <a:prstGeom prst="ellipse">
@@ -3410,7 +3411,7 @@
           <a:p>
             <a:pPr algn="ctr"/>
             <a:r>
-              <a:rPr lang="" altLang="en-US" sz="1000">
+              <a:rPr lang="en-US" altLang="en-US" sz="1000">
                 <a:solidFill>
                   <a:schemeClr val="tx1"/>
                 </a:solidFill>
@@ -3418,7 +3419,7 @@
               </a:rPr>
               <a:t>打印学生名单</a:t>
             </a:r>
-            <a:endParaRPr lang="" altLang="en-US" sz="1000">
+            <a:endParaRPr lang="en-US" altLang="en-US" sz="1000">
               <a:solidFill>
                 <a:schemeClr val="tx1"/>
               </a:solidFill>
@@ -3435,7 +3436,7 @@
         </p:nvSpPr>
         <p:spPr>
           <a:xfrm>
-            <a:off x="4450080" y="2218055"/>
+            <a:off x="4533900" y="2218055"/>
             <a:ext cx="1041400" cy="536575"/>
           </a:xfrm>
           <a:prstGeom prst="ellipse">
@@ -3461,13 +3462,22 @@
           <a:p>
             <a:pPr algn="ctr"/>
             <a:r>
+              <a:rPr lang="en-US" altLang="en-US" sz="1000">
+                <a:solidFill>
+                  <a:schemeClr val="tx1"/>
+                </a:solidFill>
+                <a:uFillTx/>
+              </a:rPr>
+              <a:t>导入/导出</a:t>
+            </a:r>
+            <a:r>
               <a:rPr lang="" altLang="en-US" sz="1000">
                 <a:solidFill>
                   <a:schemeClr val="tx1"/>
                 </a:solidFill>
                 <a:uFillTx/>
               </a:rPr>
-              <a:t>导入/导出学生信息</a:t>
+              <a:t>用户信息</a:t>
             </a:r>
             <a:endParaRPr lang="" altLang="en-US" sz="1000">
               <a:solidFill>
@@ -3524,7 +3534,7 @@
           </a:bodyPr>
           <a:p>
             <a:r>
-              <a:rPr lang="" altLang="en-US" sz="1400">
+              <a:rPr lang="en-US" altLang="en-US" sz="1400">
                 <a:solidFill>
                   <a:schemeClr val="tx1"/>
                 </a:solidFill>
@@ -3532,7 +3542,7 @@
               </a:rPr>
               <a:t>教师</a:t>
             </a:r>
-            <a:endParaRPr lang="" altLang="en-US" sz="1400">
+            <a:endParaRPr lang="en-US" altLang="en-US" sz="1400">
               <a:solidFill>
                 <a:schemeClr val="tx1"/>
               </a:solidFill>
@@ -3650,7 +3660,7 @@
           </a:bodyPr>
           <a:p>
             <a:r>
-              <a:rPr lang="" altLang="en-US" sz="1400">
+              <a:rPr lang="en-US" altLang="en-US" sz="1400">
                 <a:solidFill>
                   <a:schemeClr val="tx1"/>
                 </a:solidFill>
@@ -3658,7 +3668,7 @@
               </a:rPr>
               <a:t>学生</a:t>
             </a:r>
-            <a:endParaRPr lang="" altLang="en-US" sz="1400">
+            <a:endParaRPr lang="en-US" altLang="en-US" sz="1400">
               <a:solidFill>
                 <a:schemeClr val="tx1"/>
               </a:solidFill>
@@ -3701,7 +3711,7 @@
           <a:p>
             <a:pPr algn="ctr"/>
             <a:r>
-              <a:rPr lang="" altLang="en-US" sz="1000">
+              <a:rPr lang="en-US" altLang="en-US" sz="1000">
                 <a:solidFill>
                   <a:schemeClr val="tx1"/>
                 </a:solidFill>
@@ -3709,7 +3719,7 @@
               </a:rPr>
               <a:t>查询个人选课信息</a:t>
             </a:r>
-            <a:endParaRPr lang="" altLang="en-US" sz="1000">
+            <a:endParaRPr lang="en-US" altLang="en-US" sz="1000">
               <a:solidFill>
                 <a:schemeClr val="tx1"/>
               </a:solidFill>
@@ -3764,7 +3774,7 @@
           </a:bodyPr>
           <a:p>
             <a:r>
-              <a:rPr lang="" altLang="en-US" sz="1400">
+              <a:rPr lang="en-US" altLang="en-US" sz="1400">
                 <a:solidFill>
                   <a:schemeClr val="tx1"/>
                 </a:solidFill>
@@ -3772,7 +3782,7 @@
               </a:rPr>
               <a:t>学生信息管理系统</a:t>
             </a:r>
-            <a:endParaRPr lang="" altLang="en-US" sz="1400">
+            <a:endParaRPr lang="en-US" altLang="en-US" sz="1400">
               <a:solidFill>
                 <a:schemeClr val="tx1"/>
               </a:solidFill>
@@ -3827,7 +3837,7 @@
           </a:bodyPr>
           <a:p>
             <a:r>
-              <a:rPr lang="" altLang="en-US" sz="1400">
+              <a:rPr lang="en-US" altLang="en-US" sz="1400">
                 <a:solidFill>
                   <a:schemeClr val="tx1"/>
                 </a:solidFill>
@@ -3835,7 +3845,7 @@
               </a:rPr>
               <a:t>教学管理系统</a:t>
             </a:r>
-            <a:endParaRPr lang="" altLang="en-US" sz="1400">
+            <a:endParaRPr lang="en-US" altLang="en-US" sz="1400">
               <a:solidFill>
                 <a:schemeClr val="tx1"/>
               </a:solidFill>
@@ -3906,7 +3916,7 @@
           </a:bodyPr>
           <a:p>
             <a:r>
-              <a:rPr lang="" altLang="en-US" sz="1000">
+              <a:rPr lang="en-US" altLang="en-US" sz="1000">
                 <a:solidFill>
                   <a:schemeClr val="tx1"/>
                 </a:solidFill>
@@ -3914,7 +3924,7 @@
               </a:rPr>
               <a:t>&lt;&lt;include&gt;&gt;</a:t>
             </a:r>
-            <a:endParaRPr lang="" altLang="en-US" sz="1000">
+            <a:endParaRPr lang="en-US" altLang="en-US" sz="1000">
               <a:solidFill>
                 <a:schemeClr val="tx1"/>
               </a:solidFill>
@@ -4164,7 +4174,7 @@
         </p:nvCxnSpPr>
         <p:spPr>
           <a:xfrm>
-            <a:off x="1345565" y="1172210"/>
+            <a:off x="1429385" y="1172210"/>
             <a:ext cx="3104515" cy="1314450"/>
           </a:xfrm>
           <a:prstGeom prst="straightConnector1">
@@ -4232,41 +4242,6 @@
       </p:cxnSp>
       <p:cxnSp>
         <p:nvCxnSpPr>
-          <p:cNvPr id="38" name="Straight Connector 37"/>
-          <p:cNvCxnSpPr/>
-          <p:nvPr/>
-        </p:nvCxnSpPr>
-        <p:spPr>
-          <a:xfrm>
-            <a:off x="5491480" y="2545080"/>
-            <a:ext cx="5563235" cy="2440940"/>
-          </a:xfrm>
-          <a:prstGeom prst="line">
-            <a:avLst/>
-          </a:prstGeom>
-          <a:ln w="15875">
-            <a:solidFill>
-              <a:schemeClr val="tx1"/>
-            </a:solidFill>
-          </a:ln>
-        </p:spPr>
-        <p:style>
-          <a:lnRef idx="1">
-            <a:schemeClr val="accent1"/>
-          </a:lnRef>
-          <a:fillRef idx="0">
-            <a:schemeClr val="accent1"/>
-          </a:fillRef>
-          <a:effectRef idx="0">
-            <a:schemeClr val="accent1"/>
-          </a:effectRef>
-          <a:fontRef idx="minor">
-            <a:schemeClr val="tx1"/>
-          </a:fontRef>
-        </p:style>
-      </p:cxnSp>
-      <p:cxnSp>
-        <p:nvCxnSpPr>
           <p:cNvPr id="39" name="Straight Arrow Connector 38"/>
           <p:cNvCxnSpPr>
             <a:endCxn id="23" idx="2"/>
@@ -4313,8 +4288,8 @@
         </p:nvCxnSpPr>
         <p:spPr>
           <a:xfrm>
-            <a:off x="1240790" y="3018790"/>
-            <a:ext cx="1184275" cy="1221740"/>
+            <a:off x="1261110" y="3101975"/>
+            <a:ext cx="1163955" cy="1323975"/>
           </a:xfrm>
           <a:prstGeom prst="straightConnector1">
             <a:avLst/>
@@ -4351,8 +4326,8 @@
         </p:nvCxnSpPr>
         <p:spPr>
           <a:xfrm flipV="1">
-            <a:off x="1240790" y="4430395"/>
-            <a:ext cx="1031875" cy="1185545"/>
+            <a:off x="1219200" y="4615815"/>
+            <a:ext cx="1053465" cy="1031875"/>
           </a:xfrm>
           <a:prstGeom prst="straightConnector1">
             <a:avLst/>
@@ -4379,6 +4354,1224 @@
           </a:fontRef>
         </p:style>
       </p:cxnSp>
+      <p:cxnSp>
+        <p:nvCxnSpPr>
+          <p:cNvPr id="12" name="Straight Arrow Connector 11"/>
+          <p:cNvCxnSpPr>
+            <a:endCxn id="5" idx="2"/>
+          </p:cNvCxnSpPr>
+          <p:nvPr/>
+        </p:nvCxnSpPr>
+        <p:spPr>
+          <a:xfrm>
+            <a:off x="1240790" y="3018790"/>
+            <a:ext cx="1862455" cy="53340"/>
+          </a:xfrm>
+          <a:prstGeom prst="straightConnector1">
+            <a:avLst/>
+          </a:prstGeom>
+          <a:ln w="15875">
+            <a:solidFill>
+              <a:schemeClr val="tx1"/>
+            </a:solidFill>
+            <a:tailEnd type="arrow"/>
+          </a:ln>
+        </p:spPr>
+        <p:style>
+          <a:lnRef idx="1">
+            <a:schemeClr val="accent1"/>
+          </a:lnRef>
+          <a:fillRef idx="0">
+            <a:schemeClr val="accent1"/>
+          </a:fillRef>
+          <a:effectRef idx="0">
+            <a:schemeClr val="accent1"/>
+          </a:effectRef>
+          <a:fontRef idx="minor">
+            <a:schemeClr val="tx1"/>
+          </a:fontRef>
+        </p:style>
+      </p:cxnSp>
+      <p:cxnSp>
+        <p:nvCxnSpPr>
+          <p:cNvPr id="20" name="Straight Arrow Connector 19"/>
+          <p:cNvCxnSpPr>
+            <a:stCxn id="13" idx="2"/>
+            <a:endCxn id="48" idx="6"/>
+          </p:cNvCxnSpPr>
+          <p:nvPr/>
+        </p:nvCxnSpPr>
+        <p:spPr>
+          <a:xfrm flipH="1" flipV="1">
+            <a:off x="4270375" y="4097655"/>
+            <a:ext cx="1304925" cy="407670"/>
+          </a:xfrm>
+          <a:prstGeom prst="straightConnector1">
+            <a:avLst/>
+          </a:prstGeom>
+          <a:ln w="15875">
+            <a:solidFill>
+              <a:schemeClr val="tx1"/>
+            </a:solidFill>
+            <a:prstDash val="dash"/>
+            <a:tailEnd type="arrow"/>
+          </a:ln>
+        </p:spPr>
+        <p:style>
+          <a:lnRef idx="1">
+            <a:schemeClr val="accent1"/>
+          </a:lnRef>
+          <a:fillRef idx="0">
+            <a:schemeClr val="accent1"/>
+          </a:fillRef>
+          <a:effectRef idx="0">
+            <a:schemeClr val="accent1"/>
+          </a:effectRef>
+          <a:fontRef idx="minor">
+            <a:schemeClr val="tx1"/>
+          </a:fontRef>
+        </p:style>
+      </p:cxnSp>
+      <p:sp>
+        <p:nvSpPr>
+          <p:cNvPr id="42" name="Text Box 41"/>
+          <p:cNvSpPr txBox="1"/>
+          <p:nvPr/>
+        </p:nvSpPr>
+        <p:spPr>
+          <a:xfrm>
+            <a:off x="4539615" y="4097655"/>
+            <a:ext cx="1103630" cy="245110"/>
+          </a:xfrm>
+          <a:prstGeom prst="rect">
+            <a:avLst/>
+          </a:prstGeom>
+          <a:noFill/>
+        </p:spPr>
+        <p:txBody>
+          <a:bodyPr wrap="square" rtlCol="0">
+            <a:spAutoFit/>
+          </a:bodyPr>
+          <a:p>
+            <a:r>
+              <a:rPr lang="en-US" altLang="en-US" sz="1000">
+                <a:solidFill>
+                  <a:schemeClr val="tx1"/>
+                </a:solidFill>
+                <a:uFillTx/>
+              </a:rPr>
+              <a:t>&lt;&lt;</a:t>
+            </a:r>
+            <a:r>
+              <a:rPr lang="" altLang="en-US" sz="1000">
+                <a:solidFill>
+                  <a:schemeClr val="tx1"/>
+                </a:solidFill>
+                <a:uFillTx/>
+              </a:rPr>
+              <a:t>extend</a:t>
+            </a:r>
+            <a:r>
+              <a:rPr lang="en-US" altLang="en-US" sz="1000">
+                <a:solidFill>
+                  <a:schemeClr val="tx1"/>
+                </a:solidFill>
+                <a:uFillTx/>
+              </a:rPr>
+              <a:t>&gt;&gt;</a:t>
+            </a:r>
+            <a:endParaRPr lang="en-US" altLang="en-US" sz="1000">
+              <a:solidFill>
+                <a:schemeClr val="tx1"/>
+              </a:solidFill>
+              <a:uFillTx/>
+            </a:endParaRPr>
+          </a:p>
+        </p:txBody>
+      </p:sp>
+      <p:cxnSp>
+        <p:nvCxnSpPr>
+          <p:cNvPr id="43" name="Straight Arrow Connector 42"/>
+          <p:cNvCxnSpPr>
+            <a:stCxn id="46" idx="2"/>
+          </p:cNvCxnSpPr>
+          <p:nvPr/>
+        </p:nvCxnSpPr>
+        <p:spPr>
+          <a:xfrm flipH="1" flipV="1">
+            <a:off x="3314065" y="4686300"/>
+            <a:ext cx="1294130" cy="661670"/>
+          </a:xfrm>
+          <a:prstGeom prst="straightConnector1">
+            <a:avLst/>
+          </a:prstGeom>
+          <a:ln w="15875">
+            <a:solidFill>
+              <a:schemeClr val="tx1"/>
+            </a:solidFill>
+            <a:prstDash val="dash"/>
+            <a:tailEnd type="arrow"/>
+          </a:ln>
+        </p:spPr>
+        <p:style>
+          <a:lnRef idx="1">
+            <a:schemeClr val="accent1"/>
+          </a:lnRef>
+          <a:fillRef idx="0">
+            <a:schemeClr val="accent1"/>
+          </a:fillRef>
+          <a:effectRef idx="0">
+            <a:schemeClr val="accent1"/>
+          </a:effectRef>
+          <a:fontRef idx="minor">
+            <a:schemeClr val="tx1"/>
+          </a:fontRef>
+        </p:style>
+      </p:cxnSp>
+      <p:sp>
+        <p:nvSpPr>
+          <p:cNvPr id="44" name="Text Box 43"/>
+          <p:cNvSpPr txBox="1"/>
+          <p:nvPr/>
+        </p:nvSpPr>
+        <p:spPr>
+          <a:xfrm>
+            <a:off x="3672205" y="4870450"/>
+            <a:ext cx="1103630" cy="245110"/>
+          </a:xfrm>
+          <a:prstGeom prst="rect">
+            <a:avLst/>
+          </a:prstGeom>
+          <a:noFill/>
+        </p:spPr>
+        <p:txBody>
+          <a:bodyPr wrap="square" rtlCol="0">
+            <a:spAutoFit/>
+          </a:bodyPr>
+          <a:p>
+            <a:r>
+              <a:rPr lang="en-US" altLang="en-US" sz="1000">
+                <a:solidFill>
+                  <a:schemeClr val="tx1"/>
+                </a:solidFill>
+                <a:uFillTx/>
+              </a:rPr>
+              <a:t>&lt;&lt;extend&gt;&gt;</a:t>
+            </a:r>
+            <a:endParaRPr lang="en-US" altLang="en-US" sz="1000">
+              <a:solidFill>
+                <a:schemeClr val="tx1"/>
+              </a:solidFill>
+              <a:uFillTx/>
+            </a:endParaRPr>
+          </a:p>
+        </p:txBody>
+      </p:sp>
+      <p:sp>
+        <p:nvSpPr>
+          <p:cNvPr id="46" name="Oval 45"/>
+          <p:cNvSpPr/>
+          <p:nvPr/>
+        </p:nvSpPr>
+        <p:spPr>
+          <a:xfrm>
+            <a:off x="4608195" y="5079365"/>
+            <a:ext cx="1041400" cy="536575"/>
+          </a:xfrm>
+          <a:prstGeom prst="ellipse">
+            <a:avLst/>
+          </a:prstGeom>
+        </p:spPr>
+        <p:style>
+          <a:lnRef idx="2">
+            <a:schemeClr val="accent6"/>
+          </a:lnRef>
+          <a:fillRef idx="1">
+            <a:schemeClr val="lt1"/>
+          </a:fillRef>
+          <a:effectRef idx="0">
+            <a:schemeClr val="accent6"/>
+          </a:effectRef>
+          <a:fontRef idx="minor">
+            <a:schemeClr val="dk1"/>
+          </a:fontRef>
+        </p:style>
+        <p:txBody>
+          <a:bodyPr rtlCol="0" anchor="ctr"/>
+          <a:p>
+            <a:pPr algn="ctr"/>
+            <a:r>
+              <a:rPr lang="" altLang="en-US" sz="1000">
+                <a:solidFill>
+                  <a:schemeClr val="tx1"/>
+                </a:solidFill>
+                <a:uFillTx/>
+              </a:rPr>
+              <a:t>学院主页登录</a:t>
+            </a:r>
+            <a:endParaRPr lang="" altLang="en-US" sz="1000">
+              <a:solidFill>
+                <a:schemeClr val="tx1"/>
+              </a:solidFill>
+              <a:uFillTx/>
+            </a:endParaRPr>
+          </a:p>
+        </p:txBody>
+      </p:sp>
+      <p:cxnSp>
+        <p:nvCxnSpPr>
+          <p:cNvPr id="47" name="Straight Arrow Connector 46"/>
+          <p:cNvCxnSpPr/>
+          <p:nvPr/>
+        </p:nvCxnSpPr>
+        <p:spPr>
+          <a:xfrm>
+            <a:off x="1345565" y="3111500"/>
+            <a:ext cx="2009140" cy="821690"/>
+          </a:xfrm>
+          <a:prstGeom prst="straightConnector1">
+            <a:avLst/>
+          </a:prstGeom>
+          <a:ln w="15875">
+            <a:solidFill>
+              <a:schemeClr val="tx1"/>
+            </a:solidFill>
+            <a:tailEnd type="arrow"/>
+          </a:ln>
+        </p:spPr>
+        <p:style>
+          <a:lnRef idx="1">
+            <a:schemeClr val="accent1"/>
+          </a:lnRef>
+          <a:fillRef idx="0">
+            <a:schemeClr val="accent1"/>
+          </a:fillRef>
+          <a:effectRef idx="0">
+            <a:schemeClr val="accent1"/>
+          </a:effectRef>
+          <a:fontRef idx="minor">
+            <a:schemeClr val="tx1"/>
+          </a:fontRef>
+        </p:style>
+      </p:cxnSp>
+      <p:sp>
+        <p:nvSpPr>
+          <p:cNvPr id="48" name="Oval 47"/>
+          <p:cNvSpPr/>
+          <p:nvPr/>
+        </p:nvSpPr>
+        <p:spPr>
+          <a:xfrm>
+            <a:off x="3228975" y="3829050"/>
+            <a:ext cx="1041400" cy="536575"/>
+          </a:xfrm>
+          <a:prstGeom prst="ellipse">
+            <a:avLst/>
+          </a:prstGeom>
+        </p:spPr>
+        <p:style>
+          <a:lnRef idx="2">
+            <a:schemeClr val="accent6"/>
+          </a:lnRef>
+          <a:fillRef idx="1">
+            <a:schemeClr val="lt1"/>
+          </a:fillRef>
+          <a:effectRef idx="0">
+            <a:schemeClr val="accent6"/>
+          </a:effectRef>
+          <a:fontRef idx="minor">
+            <a:schemeClr val="dk1"/>
+          </a:fontRef>
+        </p:style>
+        <p:txBody>
+          <a:bodyPr rtlCol="0" anchor="ctr"/>
+          <a:p>
+            <a:pPr algn="ctr"/>
+            <a:r>
+              <a:rPr lang="en-US" altLang="en-US" sz="1000">
+                <a:solidFill>
+                  <a:schemeClr val="tx1"/>
+                </a:solidFill>
+                <a:uFillTx/>
+              </a:rPr>
+              <a:t>注册课程</a:t>
+            </a:r>
+            <a:endParaRPr lang="en-US" altLang="en-US" sz="1000">
+              <a:solidFill>
+                <a:schemeClr val="tx1"/>
+              </a:solidFill>
+              <a:uFillTx/>
+            </a:endParaRPr>
+          </a:p>
+        </p:txBody>
+      </p:sp>
+      <p:cxnSp>
+        <p:nvCxnSpPr>
+          <p:cNvPr id="49" name="Straight Arrow Connector 48"/>
+          <p:cNvCxnSpPr/>
+          <p:nvPr/>
+        </p:nvCxnSpPr>
+        <p:spPr>
+          <a:xfrm>
+            <a:off x="4013200" y="3292475"/>
+            <a:ext cx="1051560" cy="410845"/>
+          </a:xfrm>
+          <a:prstGeom prst="straightConnector1">
+            <a:avLst/>
+          </a:prstGeom>
+          <a:ln w="19050">
+            <a:solidFill>
+              <a:schemeClr val="tx1"/>
+            </a:solidFill>
+            <a:prstDash val="dash"/>
+            <a:tailEnd type="arrow"/>
+          </a:ln>
+        </p:spPr>
+        <p:style>
+          <a:lnRef idx="1">
+            <a:schemeClr val="accent1"/>
+          </a:lnRef>
+          <a:fillRef idx="0">
+            <a:schemeClr val="accent1"/>
+          </a:fillRef>
+          <a:effectRef idx="0">
+            <a:schemeClr val="accent1"/>
+          </a:effectRef>
+          <a:fontRef idx="minor">
+            <a:schemeClr val="tx1"/>
+          </a:fontRef>
+        </p:style>
+      </p:cxnSp>
+      <p:sp>
+        <p:nvSpPr>
+          <p:cNvPr id="50" name="Text Box 49"/>
+          <p:cNvSpPr txBox="1"/>
+          <p:nvPr/>
+        </p:nvSpPr>
+        <p:spPr>
+          <a:xfrm>
+            <a:off x="4112895" y="3522345"/>
+            <a:ext cx="1103630" cy="245110"/>
+          </a:xfrm>
+          <a:prstGeom prst="rect">
+            <a:avLst/>
+          </a:prstGeom>
+          <a:noFill/>
+        </p:spPr>
+        <p:txBody>
+          <a:bodyPr wrap="square" rtlCol="0">
+            <a:spAutoFit/>
+          </a:bodyPr>
+          <a:p>
+            <a:r>
+              <a:rPr lang="en-US" altLang="en-US" sz="1000">
+                <a:solidFill>
+                  <a:schemeClr val="tx1"/>
+                </a:solidFill>
+                <a:uFillTx/>
+              </a:rPr>
+              <a:t>&lt;&lt;include&gt;&gt;</a:t>
+            </a:r>
+            <a:endParaRPr lang="en-US" altLang="en-US" sz="1000">
+              <a:solidFill>
+                <a:schemeClr val="tx1"/>
+              </a:solidFill>
+              <a:uFillTx/>
+            </a:endParaRPr>
+          </a:p>
+        </p:txBody>
+      </p:sp>
+      <p:cxnSp>
+        <p:nvCxnSpPr>
+          <p:cNvPr id="51" name="Straight Arrow Connector 50"/>
+          <p:cNvCxnSpPr/>
+          <p:nvPr/>
+        </p:nvCxnSpPr>
+        <p:spPr>
+          <a:xfrm>
+            <a:off x="4175760" y="3018790"/>
+            <a:ext cx="1209040" cy="52070"/>
+          </a:xfrm>
+          <a:prstGeom prst="straightConnector1">
+            <a:avLst/>
+          </a:prstGeom>
+          <a:ln w="19050">
+            <a:solidFill>
+              <a:schemeClr val="tx1"/>
+            </a:solidFill>
+            <a:prstDash val="dash"/>
+            <a:tailEnd type="arrow"/>
+          </a:ln>
+        </p:spPr>
+        <p:style>
+          <a:lnRef idx="1">
+            <a:schemeClr val="accent1"/>
+          </a:lnRef>
+          <a:fillRef idx="0">
+            <a:schemeClr val="accent1"/>
+          </a:fillRef>
+          <a:effectRef idx="0">
+            <a:schemeClr val="accent1"/>
+          </a:effectRef>
+          <a:fontRef idx="minor">
+            <a:schemeClr val="tx1"/>
+          </a:fontRef>
+        </p:style>
+      </p:cxnSp>
+      <p:sp>
+        <p:nvSpPr>
+          <p:cNvPr id="52" name="Text Box 51"/>
+          <p:cNvSpPr txBox="1"/>
+          <p:nvPr/>
+        </p:nvSpPr>
+        <p:spPr>
+          <a:xfrm>
+            <a:off x="4228465" y="2856865"/>
+            <a:ext cx="1103630" cy="245110"/>
+          </a:xfrm>
+          <a:prstGeom prst="rect">
+            <a:avLst/>
+          </a:prstGeom>
+          <a:noFill/>
+        </p:spPr>
+        <p:txBody>
+          <a:bodyPr wrap="square" rtlCol="0">
+            <a:spAutoFit/>
+          </a:bodyPr>
+          <a:p>
+            <a:r>
+              <a:rPr lang="en-US" altLang="en-US" sz="1000">
+                <a:solidFill>
+                  <a:schemeClr val="tx1"/>
+                </a:solidFill>
+                <a:uFillTx/>
+              </a:rPr>
+              <a:t>&lt;&lt;include&gt;&gt;</a:t>
+            </a:r>
+            <a:endParaRPr lang="en-US" altLang="en-US" sz="1000">
+              <a:solidFill>
+                <a:schemeClr val="tx1"/>
+              </a:solidFill>
+              <a:uFillTx/>
+            </a:endParaRPr>
+          </a:p>
+        </p:txBody>
+      </p:sp>
+      <p:sp>
+        <p:nvSpPr>
+          <p:cNvPr id="53" name="Oval 52"/>
+          <p:cNvSpPr/>
+          <p:nvPr/>
+        </p:nvSpPr>
+        <p:spPr>
+          <a:xfrm>
+            <a:off x="5384800" y="2856230"/>
+            <a:ext cx="1030605" cy="484505"/>
+          </a:xfrm>
+          <a:prstGeom prst="ellipse">
+            <a:avLst/>
+          </a:prstGeom>
+        </p:spPr>
+        <p:style>
+          <a:lnRef idx="2">
+            <a:schemeClr val="accent6"/>
+          </a:lnRef>
+          <a:fillRef idx="1">
+            <a:schemeClr val="lt1"/>
+          </a:fillRef>
+          <a:effectRef idx="0">
+            <a:schemeClr val="accent6"/>
+          </a:effectRef>
+          <a:fontRef idx="minor">
+            <a:schemeClr val="dk1"/>
+          </a:fontRef>
+        </p:style>
+        <p:txBody>
+          <a:bodyPr rtlCol="0" anchor="ctr"/>
+          <a:p>
+            <a:pPr algn="ctr"/>
+            <a:r>
+              <a:rPr lang="" altLang="en-US" sz="1000">
+                <a:solidFill>
+                  <a:schemeClr val="tx1"/>
+                </a:solidFill>
+                <a:uFillTx/>
+              </a:rPr>
+              <a:t>查询选课课表</a:t>
+            </a:r>
+            <a:endParaRPr lang="" altLang="en-US" sz="1000">
+              <a:solidFill>
+                <a:schemeClr val="tx1"/>
+              </a:solidFill>
+              <a:uFillTx/>
+            </a:endParaRPr>
+          </a:p>
+        </p:txBody>
+      </p:sp>
+      <p:cxnSp>
+        <p:nvCxnSpPr>
+          <p:cNvPr id="54" name="Straight Connector 53"/>
+          <p:cNvCxnSpPr>
+            <a:stCxn id="11" idx="6"/>
+          </p:cNvCxnSpPr>
+          <p:nvPr/>
+        </p:nvCxnSpPr>
+        <p:spPr>
+          <a:xfrm>
+            <a:off x="6106160" y="3829685"/>
+            <a:ext cx="5100320" cy="1381760"/>
+          </a:xfrm>
+          <a:prstGeom prst="line">
+            <a:avLst/>
+          </a:prstGeom>
+          <a:ln w="15875">
+            <a:solidFill>
+              <a:schemeClr val="tx1"/>
+            </a:solidFill>
+          </a:ln>
+        </p:spPr>
+        <p:style>
+          <a:lnRef idx="1">
+            <a:schemeClr val="accent1"/>
+          </a:lnRef>
+          <a:fillRef idx="0">
+            <a:schemeClr val="accent1"/>
+          </a:fillRef>
+          <a:effectRef idx="0">
+            <a:schemeClr val="accent1"/>
+          </a:effectRef>
+          <a:fontRef idx="minor">
+            <a:schemeClr val="tx1"/>
+          </a:fontRef>
+        </p:style>
+      </p:cxnSp>
+      <p:cxnSp>
+        <p:nvCxnSpPr>
+          <p:cNvPr id="55" name="Straight Connector 54"/>
+          <p:cNvCxnSpPr>
+            <a:stCxn id="53" idx="6"/>
+          </p:cNvCxnSpPr>
+          <p:nvPr/>
+        </p:nvCxnSpPr>
+        <p:spPr>
+          <a:xfrm flipV="1">
+            <a:off x="6415405" y="2334260"/>
+            <a:ext cx="4481830" cy="764540"/>
+          </a:xfrm>
+          <a:prstGeom prst="line">
+            <a:avLst/>
+          </a:prstGeom>
+          <a:ln w="15875">
+            <a:solidFill>
+              <a:schemeClr val="tx1"/>
+            </a:solidFill>
+          </a:ln>
+        </p:spPr>
+        <p:style>
+          <a:lnRef idx="1">
+            <a:schemeClr val="accent1"/>
+          </a:lnRef>
+          <a:fillRef idx="0">
+            <a:schemeClr val="accent1"/>
+          </a:fillRef>
+          <a:effectRef idx="0">
+            <a:schemeClr val="accent1"/>
+          </a:effectRef>
+          <a:fontRef idx="minor">
+            <a:schemeClr val="tx1"/>
+          </a:fontRef>
+        </p:style>
+      </p:cxnSp>
+      <p:cxnSp>
+        <p:nvCxnSpPr>
+          <p:cNvPr id="56" name="Straight Connector 55"/>
+          <p:cNvCxnSpPr/>
+          <p:nvPr/>
+        </p:nvCxnSpPr>
+        <p:spPr>
+          <a:xfrm>
+            <a:off x="1598295" y="198755"/>
+            <a:ext cx="20955" cy="6448425"/>
+          </a:xfrm>
+          <a:prstGeom prst="line">
+            <a:avLst/>
+          </a:prstGeom>
+          <a:ln>
+            <a:solidFill>
+              <a:schemeClr val="tx1"/>
+            </a:solidFill>
+          </a:ln>
+        </p:spPr>
+        <p:style>
+          <a:lnRef idx="1">
+            <a:schemeClr val="accent1"/>
+          </a:lnRef>
+          <a:fillRef idx="0">
+            <a:schemeClr val="accent1"/>
+          </a:fillRef>
+          <a:effectRef idx="0">
+            <a:schemeClr val="accent1"/>
+          </a:effectRef>
+          <a:fontRef idx="minor">
+            <a:schemeClr val="tx1"/>
+          </a:fontRef>
+        </p:style>
+      </p:cxnSp>
+      <p:cxnSp>
+        <p:nvCxnSpPr>
+          <p:cNvPr id="57" name="Straight Connector 56"/>
+          <p:cNvCxnSpPr/>
+          <p:nvPr/>
+        </p:nvCxnSpPr>
+        <p:spPr>
+          <a:xfrm>
+            <a:off x="10267315" y="198755"/>
+            <a:ext cx="20955" cy="6448425"/>
+          </a:xfrm>
+          <a:prstGeom prst="line">
+            <a:avLst/>
+          </a:prstGeom>
+        </p:spPr>
+        <p:style>
+          <a:lnRef idx="1">
+            <a:schemeClr val="dk1"/>
+          </a:lnRef>
+          <a:fillRef idx="0">
+            <a:schemeClr val="dk1"/>
+          </a:fillRef>
+          <a:effectRef idx="0">
+            <a:schemeClr val="dk1"/>
+          </a:effectRef>
+          <a:fontRef idx="minor">
+            <a:schemeClr val="tx1"/>
+          </a:fontRef>
+        </p:style>
+      </p:cxnSp>
+      <p:cxnSp>
+        <p:nvCxnSpPr>
+          <p:cNvPr id="58" name="Straight Connector 57"/>
+          <p:cNvCxnSpPr/>
+          <p:nvPr/>
+        </p:nvCxnSpPr>
+        <p:spPr>
+          <a:xfrm flipV="1">
+            <a:off x="1619250" y="6626225"/>
+            <a:ext cx="8646795" cy="31750"/>
+          </a:xfrm>
+          <a:prstGeom prst="line">
+            <a:avLst/>
+          </a:prstGeom>
+          <a:ln w="15875">
+            <a:solidFill>
+              <a:schemeClr val="tx1"/>
+            </a:solidFill>
+          </a:ln>
+        </p:spPr>
+        <p:style>
+          <a:lnRef idx="1">
+            <a:schemeClr val="accent1"/>
+          </a:lnRef>
+          <a:fillRef idx="0">
+            <a:schemeClr val="accent1"/>
+          </a:fillRef>
+          <a:effectRef idx="0">
+            <a:schemeClr val="accent1"/>
+          </a:effectRef>
+          <a:fontRef idx="minor">
+            <a:schemeClr val="tx1"/>
+          </a:fontRef>
+        </p:style>
+      </p:cxnSp>
+      <p:cxnSp>
+        <p:nvCxnSpPr>
+          <p:cNvPr id="60" name="Straight Connector 59"/>
+          <p:cNvCxnSpPr/>
+          <p:nvPr/>
+        </p:nvCxnSpPr>
+        <p:spPr>
+          <a:xfrm flipV="1">
+            <a:off x="1641475" y="167005"/>
+            <a:ext cx="8646795" cy="31750"/>
+          </a:xfrm>
+          <a:prstGeom prst="line">
+            <a:avLst/>
+          </a:prstGeom>
+          <a:ln w="15875">
+            <a:solidFill>
+              <a:schemeClr val="tx1"/>
+            </a:solidFill>
+          </a:ln>
+        </p:spPr>
+        <p:style>
+          <a:lnRef idx="1">
+            <a:schemeClr val="accent1"/>
+          </a:lnRef>
+          <a:fillRef idx="0">
+            <a:schemeClr val="accent1"/>
+          </a:fillRef>
+          <a:effectRef idx="0">
+            <a:schemeClr val="accent1"/>
+          </a:effectRef>
+          <a:fontRef idx="minor">
+            <a:schemeClr val="tx1"/>
+          </a:fontRef>
+        </p:style>
+      </p:cxnSp>
+      <p:sp>
+        <p:nvSpPr>
+          <p:cNvPr id="61" name="Text Box 60"/>
+          <p:cNvSpPr txBox="1"/>
+          <p:nvPr/>
+        </p:nvSpPr>
+        <p:spPr>
+          <a:xfrm>
+            <a:off x="8404225" y="198755"/>
+            <a:ext cx="1861820" cy="368300"/>
+          </a:xfrm>
+          <a:prstGeom prst="rect">
+            <a:avLst/>
+          </a:prstGeom>
+          <a:noFill/>
+        </p:spPr>
+        <p:txBody>
+          <a:bodyPr wrap="square" rtlCol="0">
+            <a:spAutoFit/>
+          </a:bodyPr>
+          <a:p>
+            <a:r>
+              <a:rPr lang="" altLang="en-US"/>
+              <a:t>选课系统</a:t>
+            </a:r>
+            <a:endParaRPr lang="" altLang="en-US"/>
+          </a:p>
+        </p:txBody>
+      </p:sp>
+      <p:cxnSp>
+        <p:nvCxnSpPr>
+          <p:cNvPr id="62" name="Straight Arrow Connector 61"/>
+          <p:cNvCxnSpPr/>
+          <p:nvPr/>
+        </p:nvCxnSpPr>
+        <p:spPr>
+          <a:xfrm flipV="1">
+            <a:off x="5575300" y="1924050"/>
+            <a:ext cx="1513840" cy="521970"/>
+          </a:xfrm>
+          <a:prstGeom prst="straightConnector1">
+            <a:avLst/>
+          </a:prstGeom>
+          <a:ln w="19050">
+            <a:solidFill>
+              <a:schemeClr val="tx1"/>
+            </a:solidFill>
+            <a:prstDash val="dash"/>
+            <a:tailEnd type="arrow"/>
+          </a:ln>
+        </p:spPr>
+        <p:style>
+          <a:lnRef idx="1">
+            <a:schemeClr val="accent1"/>
+          </a:lnRef>
+          <a:fillRef idx="0">
+            <a:schemeClr val="accent1"/>
+          </a:fillRef>
+          <a:effectRef idx="0">
+            <a:schemeClr val="accent1"/>
+          </a:effectRef>
+          <a:fontRef idx="minor">
+            <a:schemeClr val="tx1"/>
+          </a:fontRef>
+        </p:style>
+      </p:cxnSp>
+      <p:cxnSp>
+        <p:nvCxnSpPr>
+          <p:cNvPr id="63" name="Straight Arrow Connector 62"/>
+          <p:cNvCxnSpPr/>
+          <p:nvPr/>
+        </p:nvCxnSpPr>
+        <p:spPr>
+          <a:xfrm>
+            <a:off x="5605780" y="2428875"/>
+            <a:ext cx="1778000" cy="694055"/>
+          </a:xfrm>
+          <a:prstGeom prst="straightConnector1">
+            <a:avLst/>
+          </a:prstGeom>
+          <a:ln w="19050">
+            <a:solidFill>
+              <a:schemeClr val="tx1"/>
+            </a:solidFill>
+            <a:prstDash val="dash"/>
+            <a:tailEnd type="arrow"/>
+          </a:ln>
+        </p:spPr>
+        <p:style>
+          <a:lnRef idx="1">
+            <a:schemeClr val="accent1"/>
+          </a:lnRef>
+          <a:fillRef idx="0">
+            <a:schemeClr val="accent1"/>
+          </a:fillRef>
+          <a:effectRef idx="0">
+            <a:schemeClr val="accent1"/>
+          </a:effectRef>
+          <a:fontRef idx="minor">
+            <a:schemeClr val="tx1"/>
+          </a:fontRef>
+        </p:style>
+      </p:cxnSp>
+      <p:sp>
+        <p:nvSpPr>
+          <p:cNvPr id="64" name="Oval 63"/>
+          <p:cNvSpPr/>
+          <p:nvPr/>
+        </p:nvSpPr>
+        <p:spPr>
+          <a:xfrm>
+            <a:off x="7089140" y="1681480"/>
+            <a:ext cx="1041400" cy="536575"/>
+          </a:xfrm>
+          <a:prstGeom prst="ellipse">
+            <a:avLst/>
+          </a:prstGeom>
+        </p:spPr>
+        <p:style>
+          <a:lnRef idx="2">
+            <a:schemeClr val="accent6"/>
+          </a:lnRef>
+          <a:fillRef idx="1">
+            <a:schemeClr val="lt1"/>
+          </a:fillRef>
+          <a:effectRef idx="0">
+            <a:schemeClr val="accent6"/>
+          </a:effectRef>
+          <a:fontRef idx="minor">
+            <a:schemeClr val="dk1"/>
+          </a:fontRef>
+        </p:style>
+        <p:txBody>
+          <a:bodyPr rtlCol="0" anchor="ctr"/>
+          <a:p>
+            <a:pPr algn="ctr"/>
+            <a:r>
+              <a:rPr lang="en-US" altLang="en-US" sz="1000">
+                <a:solidFill>
+                  <a:schemeClr val="tx1"/>
+                </a:solidFill>
+                <a:uFillTx/>
+              </a:rPr>
+              <a:t>导入/导出</a:t>
+            </a:r>
+            <a:r>
+              <a:rPr lang="" altLang="en-US" sz="1000">
+                <a:solidFill>
+                  <a:schemeClr val="tx1"/>
+                </a:solidFill>
+                <a:uFillTx/>
+              </a:rPr>
+              <a:t>教师</a:t>
+            </a:r>
+            <a:r>
+              <a:rPr lang="en-US" altLang="en-US" sz="1000">
+                <a:solidFill>
+                  <a:schemeClr val="tx1"/>
+                </a:solidFill>
+                <a:uFillTx/>
+              </a:rPr>
+              <a:t>信息</a:t>
+            </a:r>
+            <a:endParaRPr lang="en-US" altLang="en-US" sz="1000">
+              <a:solidFill>
+                <a:schemeClr val="tx1"/>
+              </a:solidFill>
+              <a:uFillTx/>
+            </a:endParaRPr>
+          </a:p>
+        </p:txBody>
+      </p:sp>
+      <p:sp>
+        <p:nvSpPr>
+          <p:cNvPr id="65" name="Oval 64"/>
+          <p:cNvSpPr/>
+          <p:nvPr/>
+        </p:nvSpPr>
+        <p:spPr>
+          <a:xfrm>
+            <a:off x="7362825" y="2973705"/>
+            <a:ext cx="1041400" cy="536575"/>
+          </a:xfrm>
+          <a:prstGeom prst="ellipse">
+            <a:avLst/>
+          </a:prstGeom>
+        </p:spPr>
+        <p:style>
+          <a:lnRef idx="2">
+            <a:schemeClr val="accent6"/>
+          </a:lnRef>
+          <a:fillRef idx="1">
+            <a:schemeClr val="lt1"/>
+          </a:fillRef>
+          <a:effectRef idx="0">
+            <a:schemeClr val="accent6"/>
+          </a:effectRef>
+          <a:fontRef idx="minor">
+            <a:schemeClr val="dk1"/>
+          </a:fontRef>
+        </p:style>
+        <p:txBody>
+          <a:bodyPr rtlCol="0" anchor="ctr"/>
+          <a:p>
+            <a:pPr algn="ctr"/>
+            <a:r>
+              <a:rPr lang="en-US" altLang="en-US" sz="1000">
+                <a:solidFill>
+                  <a:schemeClr val="tx1"/>
+                </a:solidFill>
+                <a:uFillTx/>
+              </a:rPr>
+              <a:t>导入/导出</a:t>
+            </a:r>
+            <a:r>
+              <a:rPr lang="" altLang="en-US" sz="1000">
+                <a:solidFill>
+                  <a:schemeClr val="tx1"/>
+                </a:solidFill>
+                <a:uFillTx/>
+              </a:rPr>
+              <a:t>学生</a:t>
+            </a:r>
+            <a:r>
+              <a:rPr lang="en-US" altLang="en-US" sz="1000">
+                <a:solidFill>
+                  <a:schemeClr val="tx1"/>
+                </a:solidFill>
+                <a:uFillTx/>
+              </a:rPr>
+              <a:t>信息</a:t>
+            </a:r>
+            <a:endParaRPr lang="en-US" altLang="en-US" sz="1000">
+              <a:solidFill>
+                <a:schemeClr val="tx1"/>
+              </a:solidFill>
+              <a:uFillTx/>
+            </a:endParaRPr>
+          </a:p>
+        </p:txBody>
+      </p:sp>
+      <p:sp>
+        <p:nvSpPr>
+          <p:cNvPr id="66" name="Text Box 65"/>
+          <p:cNvSpPr txBox="1"/>
+          <p:nvPr/>
+        </p:nvSpPr>
+        <p:spPr>
+          <a:xfrm>
+            <a:off x="5780405" y="1972945"/>
+            <a:ext cx="1103630" cy="245110"/>
+          </a:xfrm>
+          <a:prstGeom prst="rect">
+            <a:avLst/>
+          </a:prstGeom>
+          <a:noFill/>
+        </p:spPr>
+        <p:txBody>
+          <a:bodyPr wrap="square" rtlCol="0">
+            <a:spAutoFit/>
+          </a:bodyPr>
+          <a:p>
+            <a:r>
+              <a:rPr lang="en-US" altLang="en-US" sz="1000">
+                <a:solidFill>
+                  <a:schemeClr val="tx1"/>
+                </a:solidFill>
+                <a:uFillTx/>
+              </a:rPr>
+              <a:t>&lt;&lt;include&gt;&gt;</a:t>
+            </a:r>
+            <a:endParaRPr lang="en-US" altLang="en-US" sz="1000">
+              <a:solidFill>
+                <a:schemeClr val="tx1"/>
+              </a:solidFill>
+              <a:uFillTx/>
+            </a:endParaRPr>
+          </a:p>
+        </p:txBody>
+      </p:sp>
+      <p:sp>
+        <p:nvSpPr>
+          <p:cNvPr id="67" name="Text Box 66"/>
+          <p:cNvSpPr txBox="1"/>
+          <p:nvPr/>
+        </p:nvSpPr>
+        <p:spPr>
+          <a:xfrm>
+            <a:off x="6090920" y="2525395"/>
+            <a:ext cx="1103630" cy="245110"/>
+          </a:xfrm>
+          <a:prstGeom prst="rect">
+            <a:avLst/>
+          </a:prstGeom>
+          <a:noFill/>
+        </p:spPr>
+        <p:txBody>
+          <a:bodyPr wrap="square" rtlCol="0">
+            <a:spAutoFit/>
+          </a:bodyPr>
+          <a:p>
+            <a:r>
+              <a:rPr lang="en-US" altLang="en-US" sz="1000">
+                <a:solidFill>
+                  <a:schemeClr val="tx1"/>
+                </a:solidFill>
+                <a:uFillTx/>
+              </a:rPr>
+              <a:t>&lt;&lt;include&gt;&gt;</a:t>
+            </a:r>
+            <a:endParaRPr lang="en-US" altLang="en-US" sz="1000">
+              <a:solidFill>
+                <a:schemeClr val="tx1"/>
+              </a:solidFill>
+              <a:uFillTx/>
+            </a:endParaRPr>
+          </a:p>
+        </p:txBody>
+      </p:sp>
+      <p:cxnSp>
+        <p:nvCxnSpPr>
+          <p:cNvPr id="68" name="Straight Connector 67"/>
+          <p:cNvCxnSpPr>
+            <a:stCxn id="64" idx="6"/>
+          </p:cNvCxnSpPr>
+          <p:nvPr/>
+        </p:nvCxnSpPr>
+        <p:spPr>
+          <a:xfrm>
+            <a:off x="8130540" y="1950085"/>
+            <a:ext cx="2798445" cy="342265"/>
+          </a:xfrm>
+          <a:prstGeom prst="line">
+            <a:avLst/>
+          </a:prstGeom>
+          <a:ln w="15875">
+            <a:solidFill>
+              <a:schemeClr val="tx1"/>
+            </a:solidFill>
+          </a:ln>
+        </p:spPr>
+        <p:style>
+          <a:lnRef idx="1">
+            <a:schemeClr val="accent1"/>
+          </a:lnRef>
+          <a:fillRef idx="0">
+            <a:schemeClr val="accent1"/>
+          </a:fillRef>
+          <a:effectRef idx="0">
+            <a:schemeClr val="accent1"/>
+          </a:effectRef>
+          <a:fontRef idx="minor">
+            <a:schemeClr val="tx1"/>
+          </a:fontRef>
+        </p:style>
+      </p:cxnSp>
+      <p:cxnSp>
+        <p:nvCxnSpPr>
+          <p:cNvPr id="69" name="Straight Connector 68"/>
+          <p:cNvCxnSpPr>
+            <a:stCxn id="65" idx="5"/>
+          </p:cNvCxnSpPr>
+          <p:nvPr/>
+        </p:nvCxnSpPr>
+        <p:spPr>
+          <a:xfrm>
+            <a:off x="8251825" y="3431540"/>
+            <a:ext cx="2940050" cy="1790065"/>
+          </a:xfrm>
+          <a:prstGeom prst="line">
+            <a:avLst/>
+          </a:prstGeom>
+          <a:ln w="15875">
+            <a:solidFill>
+              <a:schemeClr val="tx1"/>
+            </a:solidFill>
+          </a:ln>
+        </p:spPr>
+        <p:style>
+          <a:lnRef idx="1">
+            <a:schemeClr val="accent1"/>
+          </a:lnRef>
+          <a:fillRef idx="0">
+            <a:schemeClr val="accent1"/>
+          </a:fillRef>
+          <a:effectRef idx="0">
+            <a:schemeClr val="accent1"/>
+          </a:effectRef>
+          <a:fontRef idx="minor">
+            <a:schemeClr val="tx1"/>
+          </a:fontRef>
+        </p:style>
+      </p:cxnSp>
+    </p:spTree>
+  </p:cSld>
+  <p:clrMapOvr>
+    <a:masterClrMapping/>
+  </p:clrMapOvr>
+</p:sld>
+</file>
+
+<file path=ppt/slides/slide2.xml><?xml version="1.0" encoding="utf-8"?>
+<p:sld xmlns:a="http://schemas.openxmlformats.org/drawingml/2006/main" xmlns:r="http://schemas.openxmlformats.org/officeDocument/2006/relationships" xmlns:p="http://schemas.openxmlformats.org/presentationml/2006/main">
+  <p:cSld>
+    <p:spTree>
+      <p:nvGrpSpPr>
+        <p:cNvPr id="1" name=""/>
+        <p:cNvGrpSpPr/>
+        <p:nvPr/>
+      </p:nvGrpSpPr>
+      <p:grpSpPr/>
+      <p:sp>
+        <p:nvSpPr>
+          <p:cNvPr id="2" name="Title 1"/>
+          <p:cNvSpPr>
+            <a:spLocks noGrp="1"/>
+          </p:cNvSpPr>
+          <p:nvPr>
+            <p:ph type="title"/>
+          </p:nvPr>
+        </p:nvSpPr>
+        <p:spPr/>
+        <p:txBody>
+          <a:bodyPr/>
+          <a:p>
+            <a:endParaRPr lang="en-US"/>
+          </a:p>
+        </p:txBody>
+      </p:sp>
+      <p:pic>
+        <p:nvPicPr>
+          <p:cNvPr id="7" name="Content Placeholder 6" descr="Screenshot from 2020-05-15 21-46-17"/>
+          <p:cNvPicPr>
+            <a:picLocks noChangeAspect="1"/>
+          </p:cNvPicPr>
+          <p:nvPr>
+            <p:ph idx="1"/>
+          </p:nvPr>
+        </p:nvPicPr>
+        <p:blipFill>
+          <a:blip r:embed="rId1"/>
+          <a:stretch>
+            <a:fillRect/>
+          </a:stretch>
+        </p:blipFill>
+        <p:spPr>
+          <a:xfrm>
+            <a:off x="3533775" y="153670"/>
+            <a:ext cx="4472940" cy="6550660"/>
+          </a:xfrm>
+          <a:prstGeom prst="rect">
+            <a:avLst/>
+          </a:prstGeom>
+        </p:spPr>
+      </p:pic>
     </p:spTree>
   </p:cSld>
   <p:clrMapOvr>

--- a/PPTX 演示文稿.pptx
+++ b/PPTX 演示文稿.pptx
@@ -7,6 +7,7 @@
   <p:sldIdLst>
     <p:sldId id="256" r:id="rId3"/>
     <p:sldId id="257" r:id="rId4"/>
+    <p:sldId id="258" r:id="rId5"/>
   </p:sldIdLst>
   <p:sldSz cx="12192000" cy="6858000"/>
   <p:notesSz cx="6858000" cy="9144000"/>
@@ -3054,7 +3055,7 @@
           <a:p>
             <a:pPr algn="ctr"/>
             <a:r>
-              <a:rPr lang="" altLang="en-US" sz="1000">
+              <a:rPr lang="en-US" altLang="en-US" sz="1000">
                 <a:solidFill>
                   <a:schemeClr val="tx1"/>
                 </a:solidFill>
@@ -3062,7 +3063,7 @@
               </a:rPr>
               <a:t>查询课程信息</a:t>
             </a:r>
-            <a:endParaRPr lang="" altLang="en-US" sz="1000">
+            <a:endParaRPr lang="en-US" altLang="en-US" sz="1000">
               <a:solidFill>
                 <a:schemeClr val="tx1"/>
               </a:solidFill>
@@ -3468,18 +3469,9 @@
                 </a:solidFill>
                 <a:uFillTx/>
               </a:rPr>
-              <a:t>导入/导出</a:t>
-            </a:r>
-            <a:r>
-              <a:rPr lang="" altLang="en-US" sz="1000">
-                <a:solidFill>
-                  <a:schemeClr val="tx1"/>
-                </a:solidFill>
-                <a:uFillTx/>
-              </a:rPr>
-              <a:t>用户信息</a:t>
-            </a:r>
-            <a:endParaRPr lang="" altLang="en-US" sz="1000">
+              <a:t>导入/导出用户信息</a:t>
+            </a:r>
+            <a:endParaRPr lang="en-US" altLang="en-US" sz="1000">
               <a:solidFill>
                 <a:schemeClr val="tx1"/>
               </a:solidFill>
@@ -4460,25 +4452,7 @@
                 </a:solidFill>
                 <a:uFillTx/>
               </a:rPr>
-              <a:t>&lt;&lt;</a:t>
-            </a:r>
-            <a:r>
-              <a:rPr lang="" altLang="en-US" sz="1000">
-                <a:solidFill>
-                  <a:schemeClr val="tx1"/>
-                </a:solidFill>
-                <a:uFillTx/>
-              </a:rPr>
-              <a:t>extend</a:t>
-            </a:r>
-            <a:r>
-              <a:rPr lang="en-US" altLang="en-US" sz="1000">
-                <a:solidFill>
-                  <a:schemeClr val="tx1"/>
-                </a:solidFill>
-                <a:uFillTx/>
-              </a:rPr>
-              <a:t>&gt;&gt;</a:t>
+              <a:t>&lt;&lt;extend&gt;&gt;</a:t>
             </a:r>
             <a:endParaRPr lang="en-US" altLang="en-US" sz="1000">
               <a:solidFill>
@@ -4601,7 +4575,7 @@
           <a:p>
             <a:pPr algn="ctr"/>
             <a:r>
-              <a:rPr lang="" altLang="en-US" sz="1000">
+              <a:rPr lang="en-US" altLang="en-US" sz="1000">
                 <a:solidFill>
                   <a:schemeClr val="tx1"/>
                 </a:solidFill>
@@ -4609,7 +4583,7 @@
               </a:rPr>
               <a:t>学院主页登录</a:t>
             </a:r>
-            <a:endParaRPr lang="" altLang="en-US" sz="1000">
+            <a:endParaRPr lang="en-US" altLang="en-US" sz="1000">
               <a:solidFill>
                 <a:schemeClr val="tx1"/>
               </a:solidFill>
@@ -4891,7 +4865,7 @@
           <a:p>
             <a:pPr algn="ctr"/>
             <a:r>
-              <a:rPr lang="" altLang="en-US" sz="1000">
+              <a:rPr lang="en-US" altLang="en-US" sz="1000">
                 <a:solidFill>
                   <a:schemeClr val="tx1"/>
                 </a:solidFill>
@@ -4899,7 +4873,7 @@
               </a:rPr>
               <a:t>查询选课课表</a:t>
             </a:r>
-            <a:endParaRPr lang="" altLang="en-US" sz="1000">
+            <a:endParaRPr lang="en-US" altLang="en-US" sz="1000">
               <a:solidFill>
                 <a:schemeClr val="tx1"/>
               </a:solidFill>
@@ -5139,10 +5113,10 @@
           </a:bodyPr>
           <a:p>
             <a:r>
-              <a:rPr lang="" altLang="en-US"/>
+              <a:rPr lang="en-US" altLang="en-US"/>
               <a:t>选课系统</a:t>
             </a:r>
-            <a:endParaRPr lang="" altLang="en-US"/>
+            <a:endParaRPr lang="en-US" altLang="en-US"/>
           </a:p>
         </p:txBody>
       </p:sp>
@@ -5260,25 +5234,7 @@
                 </a:solidFill>
                 <a:uFillTx/>
               </a:rPr>
-              <a:t>导入/导出</a:t>
-            </a:r>
-            <a:r>
-              <a:rPr lang="" altLang="en-US" sz="1000">
-                <a:solidFill>
-                  <a:schemeClr val="tx1"/>
-                </a:solidFill>
-                <a:uFillTx/>
-              </a:rPr>
-              <a:t>教师</a:t>
-            </a:r>
-            <a:r>
-              <a:rPr lang="en-US" altLang="en-US" sz="1000">
-                <a:solidFill>
-                  <a:schemeClr val="tx1"/>
-                </a:solidFill>
-                <a:uFillTx/>
-              </a:rPr>
-              <a:t>信息</a:t>
+              <a:t>导入/导出教师信息</a:t>
             </a:r>
             <a:endParaRPr lang="en-US" altLang="en-US" sz="1000">
               <a:solidFill>
@@ -5329,25 +5285,7 @@
                 </a:solidFill>
                 <a:uFillTx/>
               </a:rPr>
-              <a:t>导入/导出</a:t>
-            </a:r>
-            <a:r>
-              <a:rPr lang="" altLang="en-US" sz="1000">
-                <a:solidFill>
-                  <a:schemeClr val="tx1"/>
-                </a:solidFill>
-                <a:uFillTx/>
-              </a:rPr>
-              <a:t>学生</a:t>
-            </a:r>
-            <a:r>
-              <a:rPr lang="en-US" altLang="en-US" sz="1000">
-                <a:solidFill>
-                  <a:schemeClr val="tx1"/>
-                </a:solidFill>
-                <a:uFillTx/>
-              </a:rPr>
-              <a:t>信息</a:t>
+              <a:t>导入/导出学生信息</a:t>
             </a:r>
             <a:endParaRPr lang="en-US" altLang="en-US" sz="1000">
               <a:solidFill>
@@ -5510,6 +5448,489 @@
           </a:fontRef>
         </p:style>
       </p:cxnSp>
+      <p:cxnSp>
+        <p:nvCxnSpPr>
+          <p:cNvPr id="17" name="Straight Arrow Connector 16"/>
+          <p:cNvCxnSpPr/>
+          <p:nvPr/>
+        </p:nvCxnSpPr>
+        <p:spPr>
+          <a:xfrm>
+            <a:off x="1219200" y="5621655"/>
+            <a:ext cx="2682875" cy="200025"/>
+          </a:xfrm>
+          <a:prstGeom prst="straightConnector1">
+            <a:avLst/>
+          </a:prstGeom>
+          <a:ln w="15875">
+            <a:solidFill>
+              <a:schemeClr val="tx1"/>
+            </a:solidFill>
+            <a:tailEnd type="arrow"/>
+          </a:ln>
+        </p:spPr>
+        <p:style>
+          <a:lnRef idx="1">
+            <a:schemeClr val="accent1"/>
+          </a:lnRef>
+          <a:fillRef idx="0">
+            <a:schemeClr val="accent1"/>
+          </a:fillRef>
+          <a:effectRef idx="0">
+            <a:schemeClr val="accent1"/>
+          </a:effectRef>
+          <a:fontRef idx="minor">
+            <a:schemeClr val="tx1"/>
+          </a:fontRef>
+        </p:style>
+      </p:cxnSp>
+      <p:sp>
+        <p:nvSpPr>
+          <p:cNvPr id="38" name="Oval 37"/>
+          <p:cNvSpPr/>
+          <p:nvPr/>
+        </p:nvSpPr>
+        <p:spPr>
+          <a:xfrm>
+            <a:off x="3881755" y="5647690"/>
+            <a:ext cx="1041400" cy="536575"/>
+          </a:xfrm>
+          <a:prstGeom prst="ellipse">
+            <a:avLst/>
+          </a:prstGeom>
+        </p:spPr>
+        <p:style>
+          <a:lnRef idx="2">
+            <a:schemeClr val="accent6"/>
+          </a:lnRef>
+          <a:fillRef idx="1">
+            <a:schemeClr val="lt1"/>
+          </a:fillRef>
+          <a:effectRef idx="0">
+            <a:schemeClr val="accent6"/>
+          </a:effectRef>
+          <a:fontRef idx="minor">
+            <a:schemeClr val="dk1"/>
+          </a:fontRef>
+        </p:style>
+        <p:txBody>
+          <a:bodyPr rtlCol="0" anchor="ctr"/>
+          <a:p>
+            <a:pPr algn="ctr"/>
+            <a:r>
+              <a:rPr lang="" altLang="en-US" sz="1000">
+                <a:solidFill>
+                  <a:schemeClr val="tx1"/>
+                </a:solidFill>
+                <a:uFillTx/>
+              </a:rPr>
+              <a:t>在线选课</a:t>
+            </a:r>
+            <a:endParaRPr lang="" altLang="en-US" sz="1000">
+              <a:solidFill>
+                <a:schemeClr val="tx1"/>
+              </a:solidFill>
+              <a:uFillTx/>
+            </a:endParaRPr>
+          </a:p>
+        </p:txBody>
+      </p:sp>
+      <p:cxnSp>
+        <p:nvCxnSpPr>
+          <p:cNvPr id="45" name="Straight Arrow Connector 44"/>
+          <p:cNvCxnSpPr>
+            <a:stCxn id="38" idx="6"/>
+            <a:endCxn id="73" idx="2"/>
+          </p:cNvCxnSpPr>
+          <p:nvPr/>
+        </p:nvCxnSpPr>
+        <p:spPr>
+          <a:xfrm flipV="1">
+            <a:off x="4923155" y="4823460"/>
+            <a:ext cx="2092960" cy="1092835"/>
+          </a:xfrm>
+          <a:prstGeom prst="straightConnector1">
+            <a:avLst/>
+          </a:prstGeom>
+          <a:ln w="15875">
+            <a:solidFill>
+              <a:schemeClr val="tx1"/>
+            </a:solidFill>
+            <a:prstDash val="dash"/>
+            <a:tailEnd type="arrow"/>
+          </a:ln>
+        </p:spPr>
+        <p:style>
+          <a:lnRef idx="1">
+            <a:schemeClr val="accent1"/>
+          </a:lnRef>
+          <a:fillRef idx="0">
+            <a:schemeClr val="accent1"/>
+          </a:fillRef>
+          <a:effectRef idx="0">
+            <a:schemeClr val="accent1"/>
+          </a:effectRef>
+          <a:fontRef idx="minor">
+            <a:schemeClr val="tx1"/>
+          </a:fontRef>
+        </p:style>
+      </p:cxnSp>
+      <p:cxnSp>
+        <p:nvCxnSpPr>
+          <p:cNvPr id="59" name="Straight Arrow Connector 58"/>
+          <p:cNvCxnSpPr>
+            <a:stCxn id="38" idx="6"/>
+            <a:endCxn id="72" idx="2"/>
+          </p:cNvCxnSpPr>
+          <p:nvPr/>
+        </p:nvCxnSpPr>
+        <p:spPr>
+          <a:xfrm flipV="1">
+            <a:off x="4923155" y="5610225"/>
+            <a:ext cx="2696845" cy="306070"/>
+          </a:xfrm>
+          <a:prstGeom prst="straightConnector1">
+            <a:avLst/>
+          </a:prstGeom>
+          <a:ln w="15875">
+            <a:solidFill>
+              <a:schemeClr val="tx1"/>
+            </a:solidFill>
+            <a:prstDash val="dash"/>
+            <a:tailEnd type="arrow"/>
+          </a:ln>
+        </p:spPr>
+        <p:style>
+          <a:lnRef idx="1">
+            <a:schemeClr val="accent1"/>
+          </a:lnRef>
+          <a:fillRef idx="0">
+            <a:schemeClr val="accent1"/>
+          </a:fillRef>
+          <a:effectRef idx="0">
+            <a:schemeClr val="accent1"/>
+          </a:effectRef>
+          <a:fontRef idx="minor">
+            <a:schemeClr val="tx1"/>
+          </a:fontRef>
+        </p:style>
+      </p:cxnSp>
+      <p:cxnSp>
+        <p:nvCxnSpPr>
+          <p:cNvPr id="70" name="Straight Arrow Connector 69"/>
+          <p:cNvCxnSpPr/>
+          <p:nvPr/>
+        </p:nvCxnSpPr>
+        <p:spPr>
+          <a:xfrm>
+            <a:off x="4995545" y="5979160"/>
+            <a:ext cx="1583055" cy="306705"/>
+          </a:xfrm>
+          <a:prstGeom prst="straightConnector1">
+            <a:avLst/>
+          </a:prstGeom>
+          <a:ln w="15875">
+            <a:solidFill>
+              <a:schemeClr val="tx1"/>
+            </a:solidFill>
+            <a:prstDash val="dash"/>
+            <a:tailEnd type="arrow"/>
+          </a:ln>
+        </p:spPr>
+        <p:style>
+          <a:lnRef idx="1">
+            <a:schemeClr val="accent1"/>
+          </a:lnRef>
+          <a:fillRef idx="0">
+            <a:schemeClr val="accent1"/>
+          </a:fillRef>
+          <a:effectRef idx="0">
+            <a:schemeClr val="accent1"/>
+          </a:effectRef>
+          <a:fontRef idx="minor">
+            <a:schemeClr val="tx1"/>
+          </a:fontRef>
+        </p:style>
+      </p:cxnSp>
+      <p:sp>
+        <p:nvSpPr>
+          <p:cNvPr id="71" name="Oval 70"/>
+          <p:cNvSpPr/>
+          <p:nvPr/>
+        </p:nvSpPr>
+        <p:spPr>
+          <a:xfrm>
+            <a:off x="6578600" y="6048375"/>
+            <a:ext cx="1041400" cy="536575"/>
+          </a:xfrm>
+          <a:prstGeom prst="ellipse">
+            <a:avLst/>
+          </a:prstGeom>
+        </p:spPr>
+        <p:style>
+          <a:lnRef idx="2">
+            <a:schemeClr val="accent6"/>
+          </a:lnRef>
+          <a:fillRef idx="1">
+            <a:schemeClr val="lt1"/>
+          </a:fillRef>
+          <a:effectRef idx="0">
+            <a:schemeClr val="accent6"/>
+          </a:effectRef>
+          <a:fontRef idx="minor">
+            <a:schemeClr val="dk1"/>
+          </a:fontRef>
+        </p:style>
+        <p:txBody>
+          <a:bodyPr rtlCol="0" anchor="ctr"/>
+          <a:p>
+            <a:pPr algn="ctr"/>
+            <a:r>
+              <a:rPr lang="" altLang="en-US" sz="1000">
+                <a:solidFill>
+                  <a:schemeClr val="tx1"/>
+                </a:solidFill>
+                <a:uFillTx/>
+              </a:rPr>
+              <a:t>修改所选课程列表</a:t>
+            </a:r>
+            <a:endParaRPr lang="" altLang="en-US" sz="1000">
+              <a:solidFill>
+                <a:schemeClr val="tx1"/>
+              </a:solidFill>
+              <a:uFillTx/>
+            </a:endParaRPr>
+          </a:p>
+        </p:txBody>
+      </p:sp>
+      <p:sp>
+        <p:nvSpPr>
+          <p:cNvPr id="72" name="Oval 71"/>
+          <p:cNvSpPr/>
+          <p:nvPr/>
+        </p:nvSpPr>
+        <p:spPr>
+          <a:xfrm>
+            <a:off x="7620000" y="5341620"/>
+            <a:ext cx="1041400" cy="536575"/>
+          </a:xfrm>
+          <a:prstGeom prst="ellipse">
+            <a:avLst/>
+          </a:prstGeom>
+        </p:spPr>
+        <p:style>
+          <a:lnRef idx="2">
+            <a:schemeClr val="accent6"/>
+          </a:lnRef>
+          <a:fillRef idx="1">
+            <a:schemeClr val="lt1"/>
+          </a:fillRef>
+          <a:effectRef idx="0">
+            <a:schemeClr val="accent6"/>
+          </a:effectRef>
+          <a:fontRef idx="minor">
+            <a:schemeClr val="dk1"/>
+          </a:fontRef>
+        </p:style>
+        <p:txBody>
+          <a:bodyPr rtlCol="0" anchor="ctr"/>
+          <a:p>
+            <a:pPr algn="ctr"/>
+            <a:r>
+              <a:rPr lang="" altLang="en-US" sz="1000">
+                <a:solidFill>
+                  <a:schemeClr val="tx1"/>
+                </a:solidFill>
+                <a:uFillTx/>
+              </a:rPr>
+              <a:t>选择课程</a:t>
+            </a:r>
+            <a:endParaRPr lang="" altLang="en-US" sz="1000">
+              <a:solidFill>
+                <a:schemeClr val="tx1"/>
+              </a:solidFill>
+              <a:uFillTx/>
+            </a:endParaRPr>
+          </a:p>
+        </p:txBody>
+      </p:sp>
+      <p:sp>
+        <p:nvSpPr>
+          <p:cNvPr id="73" name="Oval 72"/>
+          <p:cNvSpPr/>
+          <p:nvPr/>
+        </p:nvSpPr>
+        <p:spPr>
+          <a:xfrm>
+            <a:off x="7016115" y="4554855"/>
+            <a:ext cx="1041400" cy="536575"/>
+          </a:xfrm>
+          <a:prstGeom prst="ellipse">
+            <a:avLst/>
+          </a:prstGeom>
+        </p:spPr>
+        <p:style>
+          <a:lnRef idx="2">
+            <a:schemeClr val="accent6"/>
+          </a:lnRef>
+          <a:fillRef idx="1">
+            <a:schemeClr val="lt1"/>
+          </a:fillRef>
+          <a:effectRef idx="0">
+            <a:schemeClr val="accent6"/>
+          </a:effectRef>
+          <a:fontRef idx="minor">
+            <a:schemeClr val="dk1"/>
+          </a:fontRef>
+        </p:style>
+        <p:txBody>
+          <a:bodyPr rtlCol="0" anchor="ctr"/>
+          <a:p>
+            <a:pPr algn="ctr"/>
+            <a:r>
+              <a:rPr lang="" altLang="en-US" sz="1000">
+                <a:solidFill>
+                  <a:schemeClr val="tx1"/>
+                </a:solidFill>
+                <a:uFillTx/>
+              </a:rPr>
+              <a:t>搜索</a:t>
+            </a:r>
+            <a:r>
+              <a:rPr lang="en-US" altLang="en-US" sz="1000">
+                <a:solidFill>
+                  <a:schemeClr val="tx1"/>
+                </a:solidFill>
+                <a:uFillTx/>
+              </a:rPr>
+              <a:t>课程</a:t>
+            </a:r>
+            <a:endParaRPr lang="en-US" altLang="en-US" sz="1000">
+              <a:solidFill>
+                <a:schemeClr val="tx1"/>
+              </a:solidFill>
+              <a:uFillTx/>
+            </a:endParaRPr>
+          </a:p>
+        </p:txBody>
+      </p:sp>
+      <p:sp>
+        <p:nvSpPr>
+          <p:cNvPr id="74" name="Text Box 73"/>
+          <p:cNvSpPr txBox="1"/>
+          <p:nvPr/>
+        </p:nvSpPr>
+        <p:spPr>
+          <a:xfrm>
+            <a:off x="5780405" y="4976495"/>
+            <a:ext cx="1103630" cy="245110"/>
+          </a:xfrm>
+          <a:prstGeom prst="rect">
+            <a:avLst/>
+          </a:prstGeom>
+          <a:noFill/>
+        </p:spPr>
+        <p:txBody>
+          <a:bodyPr wrap="square" rtlCol="0">
+            <a:spAutoFit/>
+          </a:bodyPr>
+          <a:p>
+            <a:r>
+              <a:rPr lang="en-US" altLang="en-US" sz="1000">
+                <a:solidFill>
+                  <a:schemeClr val="tx1"/>
+                </a:solidFill>
+                <a:uFillTx/>
+              </a:rPr>
+              <a:t>&lt;&lt;include&gt;&gt;</a:t>
+            </a:r>
+            <a:endParaRPr lang="en-US" altLang="en-US" sz="1000">
+              <a:solidFill>
+                <a:schemeClr val="tx1"/>
+              </a:solidFill>
+              <a:uFillTx/>
+            </a:endParaRPr>
+          </a:p>
+        </p:txBody>
+      </p:sp>
+      <p:sp>
+        <p:nvSpPr>
+          <p:cNvPr id="75" name="Text Box 74"/>
+          <p:cNvSpPr txBox="1"/>
+          <p:nvPr/>
+        </p:nvSpPr>
+        <p:spPr>
+          <a:xfrm>
+            <a:off x="5985510" y="5487670"/>
+            <a:ext cx="1103630" cy="245110"/>
+          </a:xfrm>
+          <a:prstGeom prst="rect">
+            <a:avLst/>
+          </a:prstGeom>
+          <a:noFill/>
+        </p:spPr>
+        <p:txBody>
+          <a:bodyPr wrap="square" rtlCol="0">
+            <a:spAutoFit/>
+          </a:bodyPr>
+          <a:p>
+            <a:r>
+              <a:rPr lang="en-US" altLang="en-US" sz="1000">
+                <a:solidFill>
+                  <a:schemeClr val="tx1"/>
+                </a:solidFill>
+                <a:uFillTx/>
+              </a:rPr>
+              <a:t>&lt;&lt;include&gt;&gt;</a:t>
+            </a:r>
+            <a:endParaRPr lang="en-US" altLang="en-US" sz="1000">
+              <a:solidFill>
+                <a:schemeClr val="tx1"/>
+              </a:solidFill>
+              <a:uFillTx/>
+            </a:endParaRPr>
+          </a:p>
+        </p:txBody>
+      </p:sp>
+      <p:sp>
+        <p:nvSpPr>
+          <p:cNvPr id="76" name="Text Box 75"/>
+          <p:cNvSpPr txBox="1"/>
+          <p:nvPr/>
+        </p:nvSpPr>
+        <p:spPr>
+          <a:xfrm>
+            <a:off x="5391150" y="5939155"/>
+            <a:ext cx="1103630" cy="245110"/>
+          </a:xfrm>
+          <a:prstGeom prst="rect">
+            <a:avLst/>
+          </a:prstGeom>
+          <a:noFill/>
+        </p:spPr>
+        <p:txBody>
+          <a:bodyPr wrap="square" rtlCol="0">
+            <a:spAutoFit/>
+          </a:bodyPr>
+          <a:p>
+            <a:r>
+              <a:rPr lang="en-US" altLang="en-US" sz="1000">
+                <a:solidFill>
+                  <a:schemeClr val="tx1"/>
+                </a:solidFill>
+                <a:uFillTx/>
+              </a:rPr>
+              <a:t>&lt;&lt;include&gt;&gt;</a:t>
+            </a:r>
+            <a:endParaRPr lang="en-US" altLang="en-US" sz="1000">
+              <a:solidFill>
+                <a:schemeClr val="tx1"/>
+              </a:solidFill>
+              <a:uFillTx/>
+            </a:endParaRPr>
+          </a:p>
+        </p:txBody>
+      </p:sp>
     </p:spTree>
   </p:cSld>
   <p:clrMapOvr>
@@ -5566,6 +5987,68 @@
           <a:xfrm>
             <a:off x="3533775" y="153670"/>
             <a:ext cx="4472940" cy="6550660"/>
+          </a:xfrm>
+          <a:prstGeom prst="rect">
+            <a:avLst/>
+          </a:prstGeom>
+        </p:spPr>
+      </p:pic>
+    </p:spTree>
+  </p:cSld>
+  <p:clrMapOvr>
+    <a:masterClrMapping/>
+  </p:clrMapOvr>
+</p:sld>
+</file>
+
+<file path=ppt/slides/slide3.xml><?xml version="1.0" encoding="utf-8"?>
+<p:sld xmlns:a="http://schemas.openxmlformats.org/drawingml/2006/main" xmlns:r="http://schemas.openxmlformats.org/officeDocument/2006/relationships" xmlns:p="http://schemas.openxmlformats.org/presentationml/2006/main">
+  <p:cSld>
+    <p:spTree>
+      <p:nvGrpSpPr>
+        <p:cNvPr id="1" name=""/>
+        <p:cNvGrpSpPr/>
+        <p:nvPr/>
+      </p:nvGrpSpPr>
+      <p:grpSpPr/>
+      <p:sp>
+        <p:nvSpPr>
+          <p:cNvPr id="2" name="Title 1"/>
+          <p:cNvSpPr>
+            <a:spLocks noGrp="1"/>
+          </p:cNvSpPr>
+          <p:nvPr>
+            <p:ph type="title"/>
+          </p:nvPr>
+        </p:nvSpPr>
+        <p:spPr/>
+        <p:txBody>
+          <a:bodyPr/>
+          <a:p>
+            <a:endParaRPr lang="en-US"/>
+          </a:p>
+        </p:txBody>
+      </p:sp>
+      <p:pic>
+        <p:nvPicPr>
+          <p:cNvPr id="8" name="Content Placeholder 7" descr="Screenshot from 2020-05-16 22-00-52"/>
+          <p:cNvPicPr>
+            <a:picLocks noChangeAspect="1"/>
+          </p:cNvPicPr>
+          <p:nvPr>
+            <p:ph idx="1"/>
+          </p:nvPr>
+        </p:nvPicPr>
+        <p:blipFill>
+          <a:blip r:embed="rId1"/>
+          <a:stretch>
+            <a:fillRect/>
+          </a:stretch>
+        </p:blipFill>
+        <p:spPr>
+          <a:xfrm>
+            <a:off x="1749425" y="237490"/>
+            <a:ext cx="8693150" cy="6206490"/>
           </a:xfrm>
           <a:prstGeom prst="rect">
             <a:avLst/>

--- a/PPTX 演示文稿.pptx
+++ b/PPTX 演示文稿.pptx
@@ -8,6 +8,8 @@
     <p:sldId id="256" r:id="rId3"/>
     <p:sldId id="257" r:id="rId4"/>
     <p:sldId id="258" r:id="rId5"/>
+    <p:sldId id="259" r:id="rId6"/>
+    <p:sldId id="260" r:id="rId7"/>
   </p:sldIdLst>
   <p:sldSz cx="12192000" cy="6858000"/>
   <p:notesSz cx="6858000" cy="9144000"/>
@@ -3496,7 +3498,7 @@
         </p:blipFill>
         <p:spPr>
           <a:xfrm>
-            <a:off x="733425" y="805815"/>
+            <a:off x="733425" y="805180"/>
             <a:ext cx="790575" cy="876300"/>
           </a:xfrm>
           <a:prstGeom prst="rect">
@@ -5518,7 +5520,7 @@
           <a:p>
             <a:pPr algn="ctr"/>
             <a:r>
-              <a:rPr lang="" altLang="en-US" sz="1000">
+              <a:rPr lang="en-US" altLang="en-US" sz="1000">
                 <a:solidFill>
                   <a:schemeClr val="tx1"/>
                 </a:solidFill>
@@ -5526,7 +5528,7 @@
               </a:rPr>
               <a:t>在线选课</a:t>
             </a:r>
-            <a:endParaRPr lang="" altLang="en-US" sz="1000">
+            <a:endParaRPr lang="en-US" altLang="en-US" sz="1000">
               <a:solidFill>
                 <a:schemeClr val="tx1"/>
               </a:solidFill>
@@ -5686,7 +5688,7 @@
           <a:p>
             <a:pPr algn="ctr"/>
             <a:r>
-              <a:rPr lang="" altLang="en-US" sz="1000">
+              <a:rPr lang="en-US" altLang="en-US" sz="1000">
                 <a:solidFill>
                   <a:schemeClr val="tx1"/>
                 </a:solidFill>
@@ -5694,7 +5696,7 @@
               </a:rPr>
               <a:t>修改所选课程列表</a:t>
             </a:r>
-            <a:endParaRPr lang="" altLang="en-US" sz="1000">
+            <a:endParaRPr lang="en-US" altLang="en-US" sz="1000">
               <a:solidFill>
                 <a:schemeClr val="tx1"/>
               </a:solidFill>
@@ -5737,7 +5739,7 @@
           <a:p>
             <a:pPr algn="ctr"/>
             <a:r>
-              <a:rPr lang="" altLang="en-US" sz="1000">
+              <a:rPr lang="en-US" altLang="en-US" sz="1000">
                 <a:solidFill>
                   <a:schemeClr val="tx1"/>
                 </a:solidFill>
@@ -5745,7 +5747,7 @@
               </a:rPr>
               <a:t>选择课程</a:t>
             </a:r>
-            <a:endParaRPr lang="" altLang="en-US" sz="1000">
+            <a:endParaRPr lang="en-US" altLang="en-US" sz="1000">
               <a:solidFill>
                 <a:schemeClr val="tx1"/>
               </a:solidFill>
@@ -5788,22 +5790,13 @@
           <a:p>
             <a:pPr algn="ctr"/>
             <a:r>
-              <a:rPr lang="" altLang="en-US" sz="1000">
-                <a:solidFill>
-                  <a:schemeClr val="tx1"/>
-                </a:solidFill>
-                <a:uFillTx/>
-              </a:rPr>
-              <a:t>搜索</a:t>
-            </a:r>
-            <a:r>
               <a:rPr lang="en-US" altLang="en-US" sz="1000">
                 <a:solidFill>
                   <a:schemeClr val="tx1"/>
                 </a:solidFill>
                 <a:uFillTx/>
               </a:rPr>
-              <a:t>课程</a:t>
+              <a:t>搜索课程</a:t>
             </a:r>
             <a:endParaRPr lang="en-US" altLang="en-US" sz="1000">
               <a:solidFill>
@@ -6049,6 +6042,130 @@
           <a:xfrm>
             <a:off x="1749425" y="237490"/>
             <a:ext cx="8693150" cy="6206490"/>
+          </a:xfrm>
+          <a:prstGeom prst="rect">
+            <a:avLst/>
+          </a:prstGeom>
+        </p:spPr>
+      </p:pic>
+    </p:spTree>
+  </p:cSld>
+  <p:clrMapOvr>
+    <a:masterClrMapping/>
+  </p:clrMapOvr>
+</p:sld>
+</file>
+
+<file path=ppt/slides/slide4.xml><?xml version="1.0" encoding="utf-8"?>
+<p:sld xmlns:a="http://schemas.openxmlformats.org/drawingml/2006/main" xmlns:r="http://schemas.openxmlformats.org/officeDocument/2006/relationships" xmlns:p="http://schemas.openxmlformats.org/presentationml/2006/main">
+  <p:cSld>
+    <p:spTree>
+      <p:nvGrpSpPr>
+        <p:cNvPr id="1" name=""/>
+        <p:cNvGrpSpPr/>
+        <p:nvPr/>
+      </p:nvGrpSpPr>
+      <p:grpSpPr/>
+      <p:sp>
+        <p:nvSpPr>
+          <p:cNvPr id="2" name="Title 1"/>
+          <p:cNvSpPr>
+            <a:spLocks noGrp="1"/>
+          </p:cNvSpPr>
+          <p:nvPr>
+            <p:ph type="title"/>
+          </p:nvPr>
+        </p:nvSpPr>
+        <p:spPr/>
+        <p:txBody>
+          <a:bodyPr/>
+          <a:p>
+            <a:endParaRPr lang="en-US"/>
+          </a:p>
+        </p:txBody>
+      </p:sp>
+      <p:pic>
+        <p:nvPicPr>
+          <p:cNvPr id="4" name="Content Placeholder 3" descr="Screenshot from 2020-05-17 09-11-45"/>
+          <p:cNvPicPr>
+            <a:picLocks noChangeAspect="1"/>
+          </p:cNvPicPr>
+          <p:nvPr>
+            <p:ph idx="1"/>
+          </p:nvPr>
+        </p:nvPicPr>
+        <p:blipFill>
+          <a:blip r:embed="rId1"/>
+          <a:stretch>
+            <a:fillRect/>
+          </a:stretch>
+        </p:blipFill>
+        <p:spPr>
+          <a:xfrm>
+            <a:off x="1760220" y="773430"/>
+            <a:ext cx="9259570" cy="5403850"/>
+          </a:xfrm>
+          <a:prstGeom prst="rect">
+            <a:avLst/>
+          </a:prstGeom>
+        </p:spPr>
+      </p:pic>
+    </p:spTree>
+  </p:cSld>
+  <p:clrMapOvr>
+    <a:masterClrMapping/>
+  </p:clrMapOvr>
+</p:sld>
+</file>
+
+<file path=ppt/slides/slide5.xml><?xml version="1.0" encoding="utf-8"?>
+<p:sld xmlns:a="http://schemas.openxmlformats.org/drawingml/2006/main" xmlns:r="http://schemas.openxmlformats.org/officeDocument/2006/relationships" xmlns:p="http://schemas.openxmlformats.org/presentationml/2006/main">
+  <p:cSld>
+    <p:spTree>
+      <p:nvGrpSpPr>
+        <p:cNvPr id="1" name=""/>
+        <p:cNvGrpSpPr/>
+        <p:nvPr/>
+      </p:nvGrpSpPr>
+      <p:grpSpPr/>
+      <p:sp>
+        <p:nvSpPr>
+          <p:cNvPr id="2" name="Title 1"/>
+          <p:cNvSpPr>
+            <a:spLocks noGrp="1"/>
+          </p:cNvSpPr>
+          <p:nvPr>
+            <p:ph type="title"/>
+          </p:nvPr>
+        </p:nvSpPr>
+        <p:spPr/>
+        <p:txBody>
+          <a:bodyPr/>
+          <a:p>
+            <a:endParaRPr lang="en-US"/>
+          </a:p>
+        </p:txBody>
+      </p:sp>
+      <p:pic>
+        <p:nvPicPr>
+          <p:cNvPr id="4" name="Content Placeholder 3" descr="Screenshot from 2020-05-17 10-41-01"/>
+          <p:cNvPicPr>
+            <a:picLocks noChangeAspect="1"/>
+          </p:cNvPicPr>
+          <p:nvPr>
+            <p:ph idx="1"/>
+          </p:nvPr>
+        </p:nvPicPr>
+        <p:blipFill>
+          <a:blip r:embed="rId1"/>
+          <a:stretch>
+            <a:fillRect/>
+          </a:stretch>
+        </p:blipFill>
+        <p:spPr>
+          <a:xfrm>
+            <a:off x="2333625" y="553085"/>
+            <a:ext cx="6135370" cy="5624195"/>
           </a:xfrm>
           <a:prstGeom prst="rect">
             <a:avLst/>
